--- a/Digital Dynamic Portfolio.pptx
+++ b/Digital Dynamic Portfolio.pptx
@@ -3297,10 +3297,10 @@
       </p:sp>
       <p:pic>
         <p:nvPicPr>
-          <p:cNvPr id="11" name="Picture 10">
+          <p:cNvPr id="12" name="Picture 11">
             <a:extLst>
               <a:ext uri="{FF2B5EF4-FFF2-40B4-BE49-F238E27FC236}">
-                <a16:creationId xmlns:a16="http://schemas.microsoft.com/office/drawing/2014/main" id="{C36E8344-5587-A640-981E-24B1F655F9B8}"/>
+                <a16:creationId xmlns:a16="http://schemas.microsoft.com/office/drawing/2014/main" id="{864F117B-0A54-1A59-2F83-1F64B62EEBD3}"/>
               </a:ext>
             </a:extLst>
           </p:cNvPr>
@@ -3323,8 +3323,8 @@
         </p:blipFill>
         <p:spPr>
           <a:xfrm>
-            <a:off x="781972" y="1463680"/>
-            <a:ext cx="9906000" cy="4173144"/>
+            <a:off x="203965" y="1514208"/>
+            <a:ext cx="11784070" cy="4122616"/>
           </a:xfrm>
           <a:prstGeom prst="rect">
             <a:avLst/>

--- a/Digital Dynamic Portfolio.pptx
+++ b/Digital Dynamic Portfolio.pptx
@@ -232,7 +232,7 @@
           <a:p>
             <a:fld id="{84B86612-B127-4CD0-BF15-66D49A7175F7}" type="datetimeFigureOut">
               <a:rPr lang="en-IN" smtClean="0"/>
-              <a:t>31-08-2025</a:t>
+              <a:t>04-09-2025</a:t>
             </a:fld>
             <a:endParaRPr lang="en-IN"/>
           </a:p>
@@ -729,7 +729,7 @@
           <a:p>
             <a:fld id="{1D8BD707-D9CF-40AE-B4C6-C98DA3205C09}" type="datetimeFigureOut">
               <a:rPr lang="en-US"/>
-              <a:t>8/31/2025</a:t>
+              <a:t>9/4/2025</a:t>
             </a:fld>
             <a:endParaRPr lang="en-US"/>
           </a:p>
@@ -909,7 +909,7 @@
           <a:p>
             <a:fld id="{1D8BD707-D9CF-40AE-B4C6-C98DA3205C09}" type="datetimeFigureOut">
               <a:rPr lang="en-US"/>
-              <a:t>8/31/2025</a:t>
+              <a:t>9/4/2025</a:t>
             </a:fld>
             <a:endParaRPr lang="en-US"/>
           </a:p>
@@ -1132,7 +1132,7 @@
           <a:p>
             <a:fld id="{1D8BD707-D9CF-40AE-B4C6-C98DA3205C09}" type="datetimeFigureOut">
               <a:rPr lang="en-US"/>
-              <a:t>8/31/2025</a:t>
+              <a:t>9/4/2025</a:t>
             </a:fld>
             <a:endParaRPr lang="en-US"/>
           </a:p>
@@ -1289,7 +1289,7 @@
           <a:p>
             <a:fld id="{1D8BD707-D9CF-40AE-B4C6-C98DA3205C09}" type="datetimeFigureOut">
               <a:rPr lang="en-US"/>
-              <a:t>8/31/2025</a:t>
+              <a:t>9/4/2025</a:t>
             </a:fld>
             <a:endParaRPr lang="en-US"/>
           </a:p>
@@ -1417,7 +1417,7 @@
           <a:p>
             <a:fld id="{1D8BD707-D9CF-40AE-B4C6-C98DA3205C09}" type="datetimeFigureOut">
               <a:rPr lang="en-US"/>
-              <a:t>8/31/2025</a:t>
+              <a:t>9/4/2025</a:t>
             </a:fld>
             <a:endParaRPr lang="en-US"/>
           </a:p>
@@ -2136,7 +2136,7 @@
           <a:p>
             <a:fld id="{1D8BD707-D9CF-40AE-B4C6-C98DA3205C09}" type="datetimeFigureOut">
               <a:rPr lang="en-US"/>
-              <a:t>8/31/2025</a:t>
+              <a:t>9/4/2025</a:t>
             </a:fld>
             <a:endParaRPr lang="en-US"/>
           </a:p>
@@ -2746,15 +2746,7 @@
           <a:p>
             <a:r>
               <a:rPr lang="en-US" sz="2400" dirty="0"/>
-              <a:t>STUDENT NAME: </a:t>
-            </a:r>
-            <a:r>
-              <a:rPr lang="en-US" sz="2400" dirty="0" err="1"/>
-              <a:t>Dharmapraksh</a:t>
-            </a:r>
-            <a:r>
-              <a:rPr lang="en-US" sz="2400" dirty="0"/>
-              <a:t> k</a:t>
+              <a:t>STUDENT NAME: Dharmaprakash k</a:t>
             </a:r>
           </a:p>
           <a:p>
@@ -3297,10 +3289,10 @@
       </p:sp>
       <p:pic>
         <p:nvPicPr>
-          <p:cNvPr id="12" name="Picture 11">
+          <p:cNvPr id="11" name="Picture 10">
             <a:extLst>
               <a:ext uri="{FF2B5EF4-FFF2-40B4-BE49-F238E27FC236}">
-                <a16:creationId xmlns:a16="http://schemas.microsoft.com/office/drawing/2014/main" id="{864F117B-0A54-1A59-2F83-1F64B62EEBD3}"/>
+                <a16:creationId xmlns:a16="http://schemas.microsoft.com/office/drawing/2014/main" id="{06B2E5EC-9C43-2FF4-27E1-0DD9697A15D9}"/>
               </a:ext>
             </a:extLst>
           </p:cNvPr>
@@ -3323,8 +3315,8 @@
         </p:blipFill>
         <p:spPr>
           <a:xfrm>
-            <a:off x="203965" y="1514208"/>
-            <a:ext cx="11784070" cy="4122616"/>
+            <a:off x="152400" y="1447800"/>
+            <a:ext cx="11887200" cy="4755849"/>
           </a:xfrm>
           <a:prstGeom prst="rect">
             <a:avLst/>
